--- a/c.pptx
+++ b/c.pptx
@@ -76,6 +76,8 @@
     <p:sldId id="324" r:id="rId70"/>
     <p:sldId id="325" r:id="rId71"/>
     <p:sldId id="326" r:id="rId72"/>
+    <p:sldId id="328" r:id="rId73"/>
+    <p:sldId id="329" r:id="rId74"/>
   </p:sldIdLst>
   <p:sldSz cx="12192000" cy="6858000"/>
   <p:notesSz cx="6858000" cy="9144000"/>
@@ -51831,6 +51833,1793 @@
 </p:sld>
 </file>
 
+<file path=ppt/slides/slide72.xml><?xml version="1.0" encoding="utf-8"?>
+<p:sld xmlns:a="http://schemas.openxmlformats.org/drawingml/2006/main" xmlns:r="http://schemas.openxmlformats.org/officeDocument/2006/relationships" xmlns:p="http://schemas.openxmlformats.org/presentationml/2006/main">
+  <p:cSld>
+    <p:spTree>
+      <p:nvGrpSpPr>
+        <p:cNvPr id="1" name=""/>
+        <p:cNvGrpSpPr/>
+        <p:nvPr/>
+      </p:nvGrpSpPr>
+      <p:grpSpPr>
+        <a:xfrm>
+          <a:off x="0" y="0"/>
+          <a:ext cx="0" cy="0"/>
+          <a:chOff x="0" y="0"/>
+          <a:chExt cx="0" cy="0"/>
+        </a:xfrm>
+      </p:grpSpPr>
+      <p:sp>
+        <p:nvSpPr>
+          <p:cNvPr id="6" name="Metin kutusu 5">
+            <a:extLst>
+              <a:ext uri="{FF2B5EF4-FFF2-40B4-BE49-F238E27FC236}">
+                <a16:creationId xmlns:a16="http://schemas.microsoft.com/office/drawing/2014/main" id="{435CF746-8A96-5DF4-729A-D9AFB372DD15}"/>
+              </a:ext>
+            </a:extLst>
+          </p:cNvPr>
+          <p:cNvSpPr txBox="1"/>
+          <p:nvPr/>
+        </p:nvSpPr>
+        <p:spPr>
+          <a:xfrm>
+            <a:off x="363985" y="275208"/>
+            <a:ext cx="11443316" cy="369332"/>
+          </a:xfrm>
+          <a:prstGeom prst="rect">
+            <a:avLst/>
+          </a:prstGeom>
+          <a:noFill/>
+        </p:spPr>
+        <p:txBody>
+          <a:bodyPr wrap="square" rtlCol="0">
+            <a:spAutoFit/>
+          </a:bodyPr>
+          <a:lstStyle/>
+          <a:p>
+            <a:r>
+              <a:rPr lang="en-GB" dirty="0"/>
+              <a:t>						</a:t>
+            </a:r>
+            <a:endParaRPr lang="tr-TR" dirty="0"/>
+          </a:p>
+        </p:txBody>
+      </p:sp>
+      <p:sp>
+        <p:nvSpPr>
+          <p:cNvPr id="7" name="Metin kutusu 6">
+            <a:extLst>
+              <a:ext uri="{FF2B5EF4-FFF2-40B4-BE49-F238E27FC236}">
+                <a16:creationId xmlns:a16="http://schemas.microsoft.com/office/drawing/2014/main" id="{8C003A5A-D20F-1D84-0BB5-E22BCC4C24A6}"/>
+              </a:ext>
+            </a:extLst>
+          </p:cNvPr>
+          <p:cNvSpPr txBox="1"/>
+          <p:nvPr/>
+        </p:nvSpPr>
+        <p:spPr>
+          <a:xfrm>
+            <a:off x="384699" y="0"/>
+            <a:ext cx="11490664" cy="707886"/>
+          </a:xfrm>
+          <a:prstGeom prst="rect">
+            <a:avLst/>
+          </a:prstGeom>
+          <a:noFill/>
+        </p:spPr>
+        <p:txBody>
+          <a:bodyPr wrap="square" rtlCol="0">
+            <a:spAutoFit/>
+          </a:bodyPr>
+          <a:lstStyle/>
+          <a:p>
+            <a:endParaRPr lang="en-GB" dirty="0">
+              <a:latin typeface="Verdana" panose="020B0604030504040204" pitchFamily="34" charset="0"/>
+              <a:ea typeface="Verdana" panose="020B0604030504040204" pitchFamily="34" charset="0"/>
+            </a:endParaRPr>
+          </a:p>
+          <a:p>
+            <a:r>
+              <a:rPr lang="en-GB" sz="2200" b="1" dirty="0">
+                <a:solidFill>
+                  <a:srgbClr val="000000"/>
+                </a:solidFill>
+                <a:latin typeface="Verdana" panose="020B0604030504040204" pitchFamily="34" charset="0"/>
+                <a:ea typeface="Verdana" panose="020B0604030504040204" pitchFamily="34" charset="0"/>
+              </a:rPr>
+              <a:t>Structure Pointers</a:t>
+            </a:r>
+          </a:p>
+        </p:txBody>
+      </p:sp>
+      <p:sp>
+        <p:nvSpPr>
+          <p:cNvPr id="3" name="Metin kutusu 2">
+            <a:extLst>
+              <a:ext uri="{FF2B5EF4-FFF2-40B4-BE49-F238E27FC236}">
+                <a16:creationId xmlns:a16="http://schemas.microsoft.com/office/drawing/2014/main" id="{1A0FC8F3-A8A4-2894-326A-C4F1C23C4BF9}"/>
+              </a:ext>
+            </a:extLst>
+          </p:cNvPr>
+          <p:cNvSpPr txBox="1"/>
+          <p:nvPr/>
+        </p:nvSpPr>
+        <p:spPr>
+          <a:xfrm>
+            <a:off x="3048000" y="2246635"/>
+            <a:ext cx="6096000" cy="3970318"/>
+          </a:xfrm>
+          <a:prstGeom prst="rect">
+            <a:avLst/>
+          </a:prstGeom>
+          <a:solidFill>
+            <a:schemeClr val="tx1">
+              <a:lumMod val="95000"/>
+              <a:lumOff val="5000"/>
+            </a:schemeClr>
+          </a:solidFill>
+        </p:spPr>
+        <p:txBody>
+          <a:bodyPr wrap="square">
+            <a:spAutoFit/>
+          </a:bodyPr>
+          <a:lstStyle/>
+          <a:p>
+            <a:r>
+              <a:rPr lang="tr-TR" b="0" dirty="0">
+                <a:solidFill>
+                  <a:srgbClr val="C586C0"/>
+                </a:solidFill>
+                <a:effectLst/>
+                <a:latin typeface="Consolas" panose="020B0609020204030204" pitchFamily="49" charset="0"/>
+              </a:rPr>
+              <a:t>#include</a:t>
+            </a:r>
+            <a:r>
+              <a:rPr lang="tr-TR" b="0" dirty="0">
+                <a:solidFill>
+                  <a:srgbClr val="569CD6"/>
+                </a:solidFill>
+                <a:effectLst/>
+                <a:latin typeface="Consolas" panose="020B0609020204030204" pitchFamily="49" charset="0"/>
+              </a:rPr>
+              <a:t> </a:t>
+            </a:r>
+            <a:r>
+              <a:rPr lang="tr-TR" b="0" dirty="0">
+                <a:solidFill>
+                  <a:srgbClr val="CE9178"/>
+                </a:solidFill>
+                <a:effectLst/>
+                <a:latin typeface="Consolas" panose="020B0609020204030204" pitchFamily="49" charset="0"/>
+              </a:rPr>
+              <a:t>&lt;</a:t>
+            </a:r>
+            <a:r>
+              <a:rPr lang="tr-TR" b="0" dirty="0" err="1">
+                <a:solidFill>
+                  <a:srgbClr val="CE9178"/>
+                </a:solidFill>
+                <a:effectLst/>
+                <a:latin typeface="Consolas" panose="020B0609020204030204" pitchFamily="49" charset="0"/>
+              </a:rPr>
+              <a:t>stdio.h</a:t>
+            </a:r>
+            <a:r>
+              <a:rPr lang="tr-TR" b="0" dirty="0">
+                <a:solidFill>
+                  <a:srgbClr val="CE9178"/>
+                </a:solidFill>
+                <a:effectLst/>
+                <a:latin typeface="Consolas" panose="020B0609020204030204" pitchFamily="49" charset="0"/>
+              </a:rPr>
+              <a:t>&gt;</a:t>
+            </a:r>
+            <a:r>
+              <a:rPr lang="tr-TR" b="0" dirty="0">
+                <a:solidFill>
+                  <a:srgbClr val="569CD6"/>
+                </a:solidFill>
+                <a:effectLst/>
+                <a:latin typeface="Consolas" panose="020B0609020204030204" pitchFamily="49" charset="0"/>
+              </a:rPr>
+              <a:t> </a:t>
+            </a:r>
+            <a:endParaRPr lang="tr-TR" b="0" dirty="0">
+              <a:solidFill>
+                <a:srgbClr val="CCCCCC"/>
+              </a:solidFill>
+              <a:effectLst/>
+              <a:latin typeface="Consolas" panose="020B0609020204030204" pitchFamily="49" charset="0"/>
+            </a:endParaRPr>
+          </a:p>
+          <a:p>
+            <a:r>
+              <a:rPr lang="tr-TR" b="0" dirty="0">
+                <a:solidFill>
+                  <a:srgbClr val="CCCCCC"/>
+                </a:solidFill>
+                <a:effectLst/>
+                <a:latin typeface="Consolas" panose="020B0609020204030204" pitchFamily="49" charset="0"/>
+              </a:rPr>
+              <a:t>  </a:t>
+            </a:r>
+          </a:p>
+          <a:p>
+            <a:r>
+              <a:rPr lang="tr-TR" b="0" dirty="0" err="1">
+                <a:solidFill>
+                  <a:srgbClr val="569CD6"/>
+                </a:solidFill>
+                <a:effectLst/>
+                <a:latin typeface="Consolas" panose="020B0609020204030204" pitchFamily="49" charset="0"/>
+              </a:rPr>
+              <a:t>struct</a:t>
+            </a:r>
+            <a:r>
+              <a:rPr lang="tr-TR" b="0" dirty="0">
+                <a:solidFill>
+                  <a:srgbClr val="CCCCCC"/>
+                </a:solidFill>
+                <a:effectLst/>
+                <a:latin typeface="Consolas" panose="020B0609020204030204" pitchFamily="49" charset="0"/>
+              </a:rPr>
+              <a:t> </a:t>
+            </a:r>
+            <a:r>
+              <a:rPr lang="tr-TR" b="0" dirty="0">
+                <a:solidFill>
+                  <a:srgbClr val="4EC9B0"/>
+                </a:solidFill>
+                <a:effectLst/>
+                <a:latin typeface="Consolas" panose="020B0609020204030204" pitchFamily="49" charset="0"/>
+              </a:rPr>
+              <a:t>Point</a:t>
+            </a:r>
+            <a:r>
+              <a:rPr lang="tr-TR" b="0" dirty="0">
+                <a:solidFill>
+                  <a:srgbClr val="CCCCCC"/>
+                </a:solidFill>
+                <a:effectLst/>
+                <a:latin typeface="Consolas" panose="020B0609020204030204" pitchFamily="49" charset="0"/>
+              </a:rPr>
+              <a:t> { </a:t>
+            </a:r>
+          </a:p>
+          <a:p>
+            <a:r>
+              <a:rPr lang="tr-TR" b="0" dirty="0">
+                <a:solidFill>
+                  <a:srgbClr val="CCCCCC"/>
+                </a:solidFill>
+                <a:effectLst/>
+                <a:latin typeface="Consolas" panose="020B0609020204030204" pitchFamily="49" charset="0"/>
+              </a:rPr>
+              <a:t>    </a:t>
+            </a:r>
+            <a:r>
+              <a:rPr lang="tr-TR" b="0" dirty="0" err="1">
+                <a:solidFill>
+                  <a:srgbClr val="569CD6"/>
+                </a:solidFill>
+                <a:effectLst/>
+                <a:latin typeface="Consolas" panose="020B0609020204030204" pitchFamily="49" charset="0"/>
+              </a:rPr>
+              <a:t>int</a:t>
+            </a:r>
+            <a:r>
+              <a:rPr lang="tr-TR" b="0" dirty="0">
+                <a:solidFill>
+                  <a:srgbClr val="CCCCCC"/>
+                </a:solidFill>
+                <a:effectLst/>
+                <a:latin typeface="Consolas" panose="020B0609020204030204" pitchFamily="49" charset="0"/>
+              </a:rPr>
+              <a:t> </a:t>
+            </a:r>
+            <a:r>
+              <a:rPr lang="tr-TR" b="0" dirty="0">
+                <a:solidFill>
+                  <a:srgbClr val="9CDCFE"/>
+                </a:solidFill>
+                <a:effectLst/>
+                <a:latin typeface="Consolas" panose="020B0609020204030204" pitchFamily="49" charset="0"/>
+              </a:rPr>
+              <a:t>x</a:t>
+            </a:r>
+            <a:r>
+              <a:rPr lang="tr-TR" b="0" dirty="0">
+                <a:solidFill>
+                  <a:srgbClr val="CCCCCC"/>
+                </a:solidFill>
+                <a:effectLst/>
+                <a:latin typeface="Consolas" panose="020B0609020204030204" pitchFamily="49" charset="0"/>
+              </a:rPr>
+              <a:t>, </a:t>
+            </a:r>
+            <a:r>
+              <a:rPr lang="tr-TR" b="0" dirty="0">
+                <a:solidFill>
+                  <a:srgbClr val="9CDCFE"/>
+                </a:solidFill>
+                <a:effectLst/>
+                <a:latin typeface="Consolas" panose="020B0609020204030204" pitchFamily="49" charset="0"/>
+              </a:rPr>
+              <a:t>y</a:t>
+            </a:r>
+            <a:r>
+              <a:rPr lang="tr-TR" b="0" dirty="0">
+                <a:solidFill>
+                  <a:srgbClr val="CCCCCC"/>
+                </a:solidFill>
+                <a:effectLst/>
+                <a:latin typeface="Consolas" panose="020B0609020204030204" pitchFamily="49" charset="0"/>
+              </a:rPr>
+              <a:t>; </a:t>
+            </a:r>
+          </a:p>
+          <a:p>
+            <a:r>
+              <a:rPr lang="tr-TR" b="0" dirty="0">
+                <a:solidFill>
+                  <a:srgbClr val="CCCCCC"/>
+                </a:solidFill>
+                <a:effectLst/>
+                <a:latin typeface="Consolas" panose="020B0609020204030204" pitchFamily="49" charset="0"/>
+              </a:rPr>
+              <a:t>}; </a:t>
+            </a:r>
+          </a:p>
+          <a:p>
+            <a:r>
+              <a:rPr lang="tr-TR" b="0" dirty="0">
+                <a:solidFill>
+                  <a:srgbClr val="CCCCCC"/>
+                </a:solidFill>
+                <a:effectLst/>
+                <a:latin typeface="Consolas" panose="020B0609020204030204" pitchFamily="49" charset="0"/>
+              </a:rPr>
+              <a:t>  </a:t>
+            </a:r>
+          </a:p>
+          <a:p>
+            <a:r>
+              <a:rPr lang="tr-TR" b="0" dirty="0" err="1">
+                <a:solidFill>
+                  <a:srgbClr val="569CD6"/>
+                </a:solidFill>
+                <a:effectLst/>
+                <a:latin typeface="Consolas" panose="020B0609020204030204" pitchFamily="49" charset="0"/>
+              </a:rPr>
+              <a:t>int</a:t>
+            </a:r>
+            <a:r>
+              <a:rPr lang="tr-TR" b="0" dirty="0">
+                <a:solidFill>
+                  <a:srgbClr val="CCCCCC"/>
+                </a:solidFill>
+                <a:effectLst/>
+                <a:latin typeface="Consolas" panose="020B0609020204030204" pitchFamily="49" charset="0"/>
+              </a:rPr>
+              <a:t> </a:t>
+            </a:r>
+            <a:r>
+              <a:rPr lang="tr-TR" b="0" dirty="0">
+                <a:solidFill>
+                  <a:srgbClr val="DCDCAA"/>
+                </a:solidFill>
+                <a:effectLst/>
+                <a:latin typeface="Consolas" panose="020B0609020204030204" pitchFamily="49" charset="0"/>
+              </a:rPr>
+              <a:t>main</a:t>
+            </a:r>
+            <a:r>
+              <a:rPr lang="tr-TR" b="0" dirty="0">
+                <a:solidFill>
+                  <a:srgbClr val="CCCCCC"/>
+                </a:solidFill>
+                <a:effectLst/>
+                <a:latin typeface="Consolas" panose="020B0609020204030204" pitchFamily="49" charset="0"/>
+              </a:rPr>
+              <a:t>(){ </a:t>
+            </a:r>
+          </a:p>
+          <a:p>
+            <a:r>
+              <a:rPr lang="tr-TR" b="0" dirty="0">
+                <a:solidFill>
+                  <a:srgbClr val="CCCCCC"/>
+                </a:solidFill>
+                <a:effectLst/>
+                <a:latin typeface="Consolas" panose="020B0609020204030204" pitchFamily="49" charset="0"/>
+              </a:rPr>
+              <a:t>    </a:t>
+            </a:r>
+            <a:r>
+              <a:rPr lang="tr-TR" b="0" dirty="0" err="1">
+                <a:solidFill>
+                  <a:srgbClr val="569CD6"/>
+                </a:solidFill>
+                <a:effectLst/>
+                <a:latin typeface="Consolas" panose="020B0609020204030204" pitchFamily="49" charset="0"/>
+              </a:rPr>
+              <a:t>struct</a:t>
+            </a:r>
+            <a:r>
+              <a:rPr lang="tr-TR" b="0" dirty="0">
+                <a:solidFill>
+                  <a:srgbClr val="CCCCCC"/>
+                </a:solidFill>
+                <a:effectLst/>
+                <a:latin typeface="Consolas" panose="020B0609020204030204" pitchFamily="49" charset="0"/>
+              </a:rPr>
+              <a:t> </a:t>
+            </a:r>
+            <a:r>
+              <a:rPr lang="tr-TR" b="0" dirty="0">
+                <a:solidFill>
+                  <a:srgbClr val="4EC9B0"/>
+                </a:solidFill>
+                <a:effectLst/>
+                <a:latin typeface="Consolas" panose="020B0609020204030204" pitchFamily="49" charset="0"/>
+              </a:rPr>
+              <a:t>Point</a:t>
+            </a:r>
+            <a:r>
+              <a:rPr lang="tr-TR" b="0" dirty="0">
+                <a:solidFill>
+                  <a:srgbClr val="CCCCCC"/>
+                </a:solidFill>
+                <a:effectLst/>
+                <a:latin typeface="Consolas" panose="020B0609020204030204" pitchFamily="49" charset="0"/>
+              </a:rPr>
+              <a:t> </a:t>
+            </a:r>
+            <a:r>
+              <a:rPr lang="tr-TR" b="0" dirty="0" err="1">
+                <a:solidFill>
+                  <a:srgbClr val="9CDCFE"/>
+                </a:solidFill>
+                <a:effectLst/>
+                <a:latin typeface="Consolas" panose="020B0609020204030204" pitchFamily="49" charset="0"/>
+              </a:rPr>
+              <a:t>str</a:t>
+            </a:r>
+            <a:r>
+              <a:rPr lang="tr-TR" b="0" dirty="0">
+                <a:solidFill>
+                  <a:srgbClr val="CCCCCC"/>
+                </a:solidFill>
+                <a:effectLst/>
+                <a:latin typeface="Consolas" panose="020B0609020204030204" pitchFamily="49" charset="0"/>
+              </a:rPr>
+              <a:t> </a:t>
+            </a:r>
+            <a:r>
+              <a:rPr lang="tr-TR" b="0" dirty="0">
+                <a:solidFill>
+                  <a:srgbClr val="D4D4D4"/>
+                </a:solidFill>
+                <a:effectLst/>
+                <a:latin typeface="Consolas" panose="020B0609020204030204" pitchFamily="49" charset="0"/>
+              </a:rPr>
+              <a:t>=</a:t>
+            </a:r>
+            <a:r>
+              <a:rPr lang="tr-TR" b="0" dirty="0">
+                <a:solidFill>
+                  <a:srgbClr val="CCCCCC"/>
+                </a:solidFill>
+                <a:effectLst/>
+                <a:latin typeface="Consolas" panose="020B0609020204030204" pitchFamily="49" charset="0"/>
+              </a:rPr>
+              <a:t> { </a:t>
+            </a:r>
+            <a:r>
+              <a:rPr lang="tr-TR" b="0" dirty="0">
+                <a:solidFill>
+                  <a:srgbClr val="B5CEA8"/>
+                </a:solidFill>
+                <a:effectLst/>
+                <a:latin typeface="Consolas" panose="020B0609020204030204" pitchFamily="49" charset="0"/>
+              </a:rPr>
+              <a:t>1</a:t>
+            </a:r>
+            <a:r>
+              <a:rPr lang="tr-TR" b="0" dirty="0">
+                <a:solidFill>
+                  <a:srgbClr val="CCCCCC"/>
+                </a:solidFill>
+                <a:effectLst/>
+                <a:latin typeface="Consolas" panose="020B0609020204030204" pitchFamily="49" charset="0"/>
+              </a:rPr>
+              <a:t>, </a:t>
+            </a:r>
+            <a:r>
+              <a:rPr lang="tr-TR" b="0" dirty="0">
+                <a:solidFill>
+                  <a:srgbClr val="B5CEA8"/>
+                </a:solidFill>
+                <a:effectLst/>
+                <a:latin typeface="Consolas" panose="020B0609020204030204" pitchFamily="49" charset="0"/>
+              </a:rPr>
+              <a:t>2</a:t>
+            </a:r>
+            <a:r>
+              <a:rPr lang="tr-TR" b="0" dirty="0">
+                <a:solidFill>
+                  <a:srgbClr val="CCCCCC"/>
+                </a:solidFill>
+                <a:effectLst/>
+                <a:latin typeface="Consolas" panose="020B0609020204030204" pitchFamily="49" charset="0"/>
+              </a:rPr>
+              <a:t> }; </a:t>
+            </a:r>
+          </a:p>
+          <a:p>
+            <a:r>
+              <a:rPr lang="tr-TR" b="0" dirty="0">
+                <a:solidFill>
+                  <a:srgbClr val="CCCCCC"/>
+                </a:solidFill>
+                <a:effectLst/>
+                <a:latin typeface="Consolas" panose="020B0609020204030204" pitchFamily="49" charset="0"/>
+              </a:rPr>
+              <a:t>    </a:t>
+            </a:r>
+            <a:r>
+              <a:rPr lang="tr-TR" b="0" dirty="0" err="1">
+                <a:solidFill>
+                  <a:srgbClr val="569CD6"/>
+                </a:solidFill>
+                <a:effectLst/>
+                <a:latin typeface="Consolas" panose="020B0609020204030204" pitchFamily="49" charset="0"/>
+              </a:rPr>
+              <a:t>struct</a:t>
+            </a:r>
+            <a:r>
+              <a:rPr lang="tr-TR" b="0" dirty="0">
+                <a:solidFill>
+                  <a:srgbClr val="CCCCCC"/>
+                </a:solidFill>
+                <a:effectLst/>
+                <a:latin typeface="Consolas" panose="020B0609020204030204" pitchFamily="49" charset="0"/>
+              </a:rPr>
+              <a:t> </a:t>
+            </a:r>
+            <a:r>
+              <a:rPr lang="tr-TR" b="0" dirty="0">
+                <a:solidFill>
+                  <a:srgbClr val="4EC9B0"/>
+                </a:solidFill>
+                <a:effectLst/>
+                <a:latin typeface="Consolas" panose="020B0609020204030204" pitchFamily="49" charset="0"/>
+              </a:rPr>
+              <a:t>Point</a:t>
+            </a:r>
+            <a:r>
+              <a:rPr lang="tr-TR" b="0" dirty="0">
+                <a:solidFill>
+                  <a:srgbClr val="D4D4D4"/>
+                </a:solidFill>
+                <a:effectLst/>
+                <a:latin typeface="Consolas" panose="020B0609020204030204" pitchFamily="49" charset="0"/>
+              </a:rPr>
+              <a:t>*</a:t>
+            </a:r>
+            <a:r>
+              <a:rPr lang="tr-TR" b="0" dirty="0">
+                <a:solidFill>
+                  <a:srgbClr val="CCCCCC"/>
+                </a:solidFill>
+                <a:effectLst/>
+                <a:latin typeface="Consolas" panose="020B0609020204030204" pitchFamily="49" charset="0"/>
+              </a:rPr>
+              <a:t> </a:t>
+            </a:r>
+            <a:r>
+              <a:rPr lang="tr-TR" b="0" dirty="0" err="1">
+                <a:solidFill>
+                  <a:srgbClr val="9CDCFE"/>
+                </a:solidFill>
+                <a:effectLst/>
+                <a:latin typeface="Consolas" panose="020B0609020204030204" pitchFamily="49" charset="0"/>
+              </a:rPr>
+              <a:t>ptr</a:t>
+            </a:r>
+            <a:r>
+              <a:rPr lang="tr-TR" b="0" dirty="0">
+                <a:solidFill>
+                  <a:srgbClr val="CCCCCC"/>
+                </a:solidFill>
+                <a:effectLst/>
+                <a:latin typeface="Consolas" panose="020B0609020204030204" pitchFamily="49" charset="0"/>
+              </a:rPr>
+              <a:t> </a:t>
+            </a:r>
+            <a:r>
+              <a:rPr lang="tr-TR" b="0" dirty="0">
+                <a:solidFill>
+                  <a:srgbClr val="D4D4D4"/>
+                </a:solidFill>
+                <a:effectLst/>
+                <a:latin typeface="Consolas" panose="020B0609020204030204" pitchFamily="49" charset="0"/>
+              </a:rPr>
+              <a:t>=</a:t>
+            </a:r>
+            <a:r>
+              <a:rPr lang="tr-TR" b="0" dirty="0">
+                <a:solidFill>
+                  <a:srgbClr val="CCCCCC"/>
+                </a:solidFill>
+                <a:effectLst/>
+                <a:latin typeface="Consolas" panose="020B0609020204030204" pitchFamily="49" charset="0"/>
+              </a:rPr>
+              <a:t> </a:t>
+            </a:r>
+            <a:r>
+              <a:rPr lang="tr-TR" b="0" dirty="0">
+                <a:solidFill>
+                  <a:srgbClr val="D4D4D4"/>
+                </a:solidFill>
+                <a:effectLst/>
+                <a:latin typeface="Consolas" panose="020B0609020204030204" pitchFamily="49" charset="0"/>
+              </a:rPr>
+              <a:t>&amp;</a:t>
+            </a:r>
+            <a:r>
+              <a:rPr lang="tr-TR" b="0" dirty="0" err="1">
+                <a:solidFill>
+                  <a:srgbClr val="9CDCFE"/>
+                </a:solidFill>
+                <a:effectLst/>
+                <a:latin typeface="Consolas" panose="020B0609020204030204" pitchFamily="49" charset="0"/>
+              </a:rPr>
+              <a:t>str</a:t>
+            </a:r>
+            <a:r>
+              <a:rPr lang="tr-TR" b="0" dirty="0">
+                <a:solidFill>
+                  <a:srgbClr val="CCCCCC"/>
+                </a:solidFill>
+                <a:effectLst/>
+                <a:latin typeface="Consolas" panose="020B0609020204030204" pitchFamily="49" charset="0"/>
+              </a:rPr>
+              <a:t>; </a:t>
+            </a:r>
+          </a:p>
+          <a:p>
+            <a:br>
+              <a:rPr lang="tr-TR" b="0" dirty="0">
+                <a:solidFill>
+                  <a:srgbClr val="CCCCCC"/>
+                </a:solidFill>
+                <a:effectLst/>
+                <a:latin typeface="Consolas" panose="020B0609020204030204" pitchFamily="49" charset="0"/>
+              </a:rPr>
+            </a:br>
+            <a:r>
+              <a:rPr lang="tr-TR" b="0" dirty="0">
+                <a:solidFill>
+                  <a:srgbClr val="CCCCCC"/>
+                </a:solidFill>
+                <a:effectLst/>
+                <a:latin typeface="Consolas" panose="020B0609020204030204" pitchFamily="49" charset="0"/>
+              </a:rPr>
+              <a:t>    </a:t>
+            </a:r>
+            <a:r>
+              <a:rPr lang="tr-TR" b="0" dirty="0" err="1">
+                <a:solidFill>
+                  <a:srgbClr val="DCDCAA"/>
+                </a:solidFill>
+                <a:effectLst/>
+                <a:latin typeface="Consolas" panose="020B0609020204030204" pitchFamily="49" charset="0"/>
+              </a:rPr>
+              <a:t>printf</a:t>
+            </a:r>
+            <a:r>
+              <a:rPr lang="tr-TR" b="0" dirty="0">
+                <a:solidFill>
+                  <a:srgbClr val="CCCCCC"/>
+                </a:solidFill>
+                <a:effectLst/>
+                <a:latin typeface="Consolas" panose="020B0609020204030204" pitchFamily="49" charset="0"/>
+              </a:rPr>
+              <a:t>(</a:t>
+            </a:r>
+            <a:r>
+              <a:rPr lang="tr-TR" b="0" dirty="0">
+                <a:solidFill>
+                  <a:srgbClr val="CE9178"/>
+                </a:solidFill>
+                <a:effectLst/>
+                <a:latin typeface="Consolas" panose="020B0609020204030204" pitchFamily="49" charset="0"/>
+              </a:rPr>
+              <a:t>"</a:t>
+            </a:r>
+            <a:r>
+              <a:rPr lang="tr-TR" b="0" dirty="0">
+                <a:solidFill>
+                  <a:srgbClr val="9CDCFE"/>
+                </a:solidFill>
+                <a:effectLst/>
+                <a:latin typeface="Consolas" panose="020B0609020204030204" pitchFamily="49" charset="0"/>
+              </a:rPr>
+              <a:t>%d</a:t>
+            </a:r>
+            <a:r>
+              <a:rPr lang="tr-TR" b="0" dirty="0">
+                <a:solidFill>
+                  <a:srgbClr val="CE9178"/>
+                </a:solidFill>
+                <a:effectLst/>
+                <a:latin typeface="Consolas" panose="020B0609020204030204" pitchFamily="49" charset="0"/>
+              </a:rPr>
+              <a:t> </a:t>
+            </a:r>
+            <a:r>
+              <a:rPr lang="tr-TR" b="0" dirty="0">
+                <a:solidFill>
+                  <a:srgbClr val="9CDCFE"/>
+                </a:solidFill>
+                <a:effectLst/>
+                <a:latin typeface="Consolas" panose="020B0609020204030204" pitchFamily="49" charset="0"/>
+              </a:rPr>
+              <a:t>%d</a:t>
+            </a:r>
+            <a:r>
+              <a:rPr lang="tr-TR" b="0" dirty="0">
+                <a:solidFill>
+                  <a:srgbClr val="CE9178"/>
+                </a:solidFill>
+                <a:effectLst/>
+                <a:latin typeface="Consolas" panose="020B0609020204030204" pitchFamily="49" charset="0"/>
+              </a:rPr>
+              <a:t>"</a:t>
+            </a:r>
+            <a:r>
+              <a:rPr lang="tr-TR" b="0" dirty="0">
+                <a:solidFill>
+                  <a:srgbClr val="CCCCCC"/>
+                </a:solidFill>
+                <a:effectLst/>
+                <a:latin typeface="Consolas" panose="020B0609020204030204" pitchFamily="49" charset="0"/>
+              </a:rPr>
+              <a:t>, </a:t>
+            </a:r>
+            <a:r>
+              <a:rPr lang="tr-TR" b="0" dirty="0" err="1">
+                <a:solidFill>
+                  <a:srgbClr val="9CDCFE"/>
+                </a:solidFill>
+                <a:effectLst/>
+                <a:latin typeface="Consolas" panose="020B0609020204030204" pitchFamily="49" charset="0"/>
+              </a:rPr>
+              <a:t>ptr</a:t>
+            </a:r>
+            <a:r>
+              <a:rPr lang="tr-TR" b="0" dirty="0">
+                <a:solidFill>
+                  <a:srgbClr val="CCCCCC"/>
+                </a:solidFill>
+                <a:effectLst/>
+                <a:latin typeface="Consolas" panose="020B0609020204030204" pitchFamily="49" charset="0"/>
+              </a:rPr>
+              <a:t>-&gt;</a:t>
+            </a:r>
+            <a:r>
+              <a:rPr lang="tr-TR" b="0" dirty="0">
+                <a:solidFill>
+                  <a:srgbClr val="9CDCFE"/>
+                </a:solidFill>
+                <a:effectLst/>
+                <a:latin typeface="Consolas" panose="020B0609020204030204" pitchFamily="49" charset="0"/>
+              </a:rPr>
+              <a:t>x</a:t>
+            </a:r>
+            <a:r>
+              <a:rPr lang="tr-TR" b="0" dirty="0">
+                <a:solidFill>
+                  <a:srgbClr val="CCCCCC"/>
+                </a:solidFill>
+                <a:effectLst/>
+                <a:latin typeface="Consolas" panose="020B0609020204030204" pitchFamily="49" charset="0"/>
+              </a:rPr>
+              <a:t>, </a:t>
+            </a:r>
+            <a:r>
+              <a:rPr lang="tr-TR" b="0" dirty="0" err="1">
+                <a:solidFill>
+                  <a:srgbClr val="9CDCFE"/>
+                </a:solidFill>
+                <a:effectLst/>
+                <a:latin typeface="Consolas" panose="020B0609020204030204" pitchFamily="49" charset="0"/>
+              </a:rPr>
+              <a:t>ptr</a:t>
+            </a:r>
+            <a:r>
+              <a:rPr lang="tr-TR" b="0" dirty="0">
+                <a:solidFill>
+                  <a:srgbClr val="CCCCCC"/>
+                </a:solidFill>
+                <a:effectLst/>
+                <a:latin typeface="Consolas" panose="020B0609020204030204" pitchFamily="49" charset="0"/>
+              </a:rPr>
+              <a:t>-&gt;</a:t>
+            </a:r>
+            <a:r>
+              <a:rPr lang="tr-TR" b="0" dirty="0">
+                <a:solidFill>
+                  <a:srgbClr val="9CDCFE"/>
+                </a:solidFill>
+                <a:effectLst/>
+                <a:latin typeface="Consolas" panose="020B0609020204030204" pitchFamily="49" charset="0"/>
+              </a:rPr>
+              <a:t>y</a:t>
+            </a:r>
+            <a:r>
+              <a:rPr lang="tr-TR" b="0" dirty="0">
+                <a:solidFill>
+                  <a:srgbClr val="CCCCCC"/>
+                </a:solidFill>
+                <a:effectLst/>
+                <a:latin typeface="Consolas" panose="020B0609020204030204" pitchFamily="49" charset="0"/>
+              </a:rPr>
+              <a:t>); </a:t>
+            </a:r>
+          </a:p>
+          <a:p>
+            <a:r>
+              <a:rPr lang="tr-TR" b="0" dirty="0">
+                <a:solidFill>
+                  <a:srgbClr val="CCCCCC"/>
+                </a:solidFill>
+                <a:effectLst/>
+                <a:latin typeface="Consolas" panose="020B0609020204030204" pitchFamily="49" charset="0"/>
+              </a:rPr>
+              <a:t>  </a:t>
+            </a:r>
+          </a:p>
+          <a:p>
+            <a:r>
+              <a:rPr lang="tr-TR" b="0" dirty="0">
+                <a:solidFill>
+                  <a:srgbClr val="CCCCCC"/>
+                </a:solidFill>
+                <a:effectLst/>
+                <a:latin typeface="Consolas" panose="020B0609020204030204" pitchFamily="49" charset="0"/>
+              </a:rPr>
+              <a:t>    </a:t>
+            </a:r>
+            <a:r>
+              <a:rPr lang="tr-TR" b="0" dirty="0" err="1">
+                <a:solidFill>
+                  <a:srgbClr val="C586C0"/>
+                </a:solidFill>
+                <a:effectLst/>
+                <a:latin typeface="Consolas" panose="020B0609020204030204" pitchFamily="49" charset="0"/>
+              </a:rPr>
+              <a:t>return</a:t>
+            </a:r>
+            <a:r>
+              <a:rPr lang="tr-TR" b="0" dirty="0">
+                <a:solidFill>
+                  <a:srgbClr val="CCCCCC"/>
+                </a:solidFill>
+                <a:effectLst/>
+                <a:latin typeface="Consolas" panose="020B0609020204030204" pitchFamily="49" charset="0"/>
+              </a:rPr>
+              <a:t> </a:t>
+            </a:r>
+            <a:r>
+              <a:rPr lang="tr-TR" b="0" dirty="0">
+                <a:solidFill>
+                  <a:srgbClr val="B5CEA8"/>
+                </a:solidFill>
+                <a:effectLst/>
+                <a:latin typeface="Consolas" panose="020B0609020204030204" pitchFamily="49" charset="0"/>
+              </a:rPr>
+              <a:t>0</a:t>
+            </a:r>
+            <a:r>
+              <a:rPr lang="tr-TR" b="0" dirty="0">
+                <a:solidFill>
+                  <a:srgbClr val="CCCCCC"/>
+                </a:solidFill>
+                <a:effectLst/>
+                <a:latin typeface="Consolas" panose="020B0609020204030204" pitchFamily="49" charset="0"/>
+              </a:rPr>
+              <a:t>; </a:t>
+            </a:r>
+          </a:p>
+          <a:p>
+            <a:r>
+              <a:rPr lang="tr-TR" b="0" dirty="0">
+                <a:solidFill>
+                  <a:srgbClr val="CCCCCC"/>
+                </a:solidFill>
+                <a:effectLst/>
+                <a:latin typeface="Consolas" panose="020B0609020204030204" pitchFamily="49" charset="0"/>
+              </a:rPr>
+              <a:t>}</a:t>
+            </a:r>
+          </a:p>
+        </p:txBody>
+      </p:sp>
+      <p:sp>
+        <p:nvSpPr>
+          <p:cNvPr id="9" name="Metin kutusu 8">
+            <a:extLst>
+              <a:ext uri="{FF2B5EF4-FFF2-40B4-BE49-F238E27FC236}">
+                <a16:creationId xmlns:a16="http://schemas.microsoft.com/office/drawing/2014/main" id="{E8B50DC6-6377-D826-F747-65485AE81786}"/>
+              </a:ext>
+            </a:extLst>
+          </p:cNvPr>
+          <p:cNvSpPr txBox="1"/>
+          <p:nvPr/>
+        </p:nvSpPr>
+        <p:spPr>
+          <a:xfrm>
+            <a:off x="6786282" y="1523110"/>
+            <a:ext cx="2357718" cy="369332"/>
+          </a:xfrm>
+          <a:prstGeom prst="rect">
+            <a:avLst/>
+          </a:prstGeom>
+          <a:solidFill>
+            <a:schemeClr val="tx1">
+              <a:lumMod val="95000"/>
+              <a:lumOff val="5000"/>
+            </a:schemeClr>
+          </a:solidFill>
+        </p:spPr>
+        <p:txBody>
+          <a:bodyPr wrap="square">
+            <a:spAutoFit/>
+          </a:bodyPr>
+          <a:lstStyle/>
+          <a:p>
+            <a:r>
+              <a:rPr lang="tr-TR" b="0" dirty="0">
+                <a:solidFill>
+                  <a:srgbClr val="CCCCCC"/>
+                </a:solidFill>
+                <a:effectLst/>
+                <a:latin typeface="Consolas" panose="020B0609020204030204" pitchFamily="49" charset="0"/>
+              </a:rPr>
+              <a:t>(</a:t>
+            </a:r>
+            <a:r>
+              <a:rPr lang="tr-TR" b="0" dirty="0">
+                <a:solidFill>
+                  <a:srgbClr val="D4D4D4"/>
+                </a:solidFill>
+                <a:effectLst/>
+                <a:latin typeface="Consolas" panose="020B0609020204030204" pitchFamily="49" charset="0"/>
+              </a:rPr>
+              <a:t>*</a:t>
+            </a:r>
+            <a:r>
+              <a:rPr lang="tr-TR" b="0" dirty="0" err="1">
+                <a:solidFill>
+                  <a:srgbClr val="9CDCFE"/>
+                </a:solidFill>
+                <a:effectLst/>
+                <a:latin typeface="Consolas" panose="020B0609020204030204" pitchFamily="49" charset="0"/>
+              </a:rPr>
+              <a:t>ptr</a:t>
+            </a:r>
+            <a:r>
+              <a:rPr lang="tr-TR" b="0" dirty="0">
+                <a:solidFill>
+                  <a:srgbClr val="CCCCCC"/>
+                </a:solidFill>
+                <a:effectLst/>
+                <a:latin typeface="Consolas" panose="020B0609020204030204" pitchFamily="49" charset="0"/>
+              </a:rPr>
+              <a:t>).</a:t>
+            </a:r>
+            <a:r>
+              <a:rPr lang="tr-TR" b="0" dirty="0">
+                <a:solidFill>
+                  <a:srgbClr val="9CDCFE"/>
+                </a:solidFill>
+                <a:effectLst/>
+                <a:latin typeface="Consolas" panose="020B0609020204030204" pitchFamily="49" charset="0"/>
+              </a:rPr>
+              <a:t>x</a:t>
+            </a:r>
+            <a:endParaRPr lang="tr-TR" b="0" dirty="0">
+              <a:solidFill>
+                <a:srgbClr val="CCCCCC"/>
+              </a:solidFill>
+              <a:effectLst/>
+              <a:latin typeface="Consolas" panose="020B0609020204030204" pitchFamily="49" charset="0"/>
+            </a:endParaRPr>
+          </a:p>
+        </p:txBody>
+      </p:sp>
+      <p:sp>
+        <p:nvSpPr>
+          <p:cNvPr id="11" name="Metin kutusu 10">
+            <a:extLst>
+              <a:ext uri="{FF2B5EF4-FFF2-40B4-BE49-F238E27FC236}">
+                <a16:creationId xmlns:a16="http://schemas.microsoft.com/office/drawing/2014/main" id="{271C39B5-D079-56AC-CDF3-E09210682B6F}"/>
+              </a:ext>
+            </a:extLst>
+          </p:cNvPr>
+          <p:cNvSpPr txBox="1"/>
+          <p:nvPr/>
+        </p:nvSpPr>
+        <p:spPr>
+          <a:xfrm>
+            <a:off x="3048000" y="1523110"/>
+            <a:ext cx="2357718" cy="369332"/>
+          </a:xfrm>
+          <a:prstGeom prst="rect">
+            <a:avLst/>
+          </a:prstGeom>
+          <a:solidFill>
+            <a:schemeClr val="tx1">
+              <a:lumMod val="95000"/>
+              <a:lumOff val="5000"/>
+            </a:schemeClr>
+          </a:solidFill>
+        </p:spPr>
+        <p:txBody>
+          <a:bodyPr wrap="square">
+            <a:spAutoFit/>
+          </a:bodyPr>
+          <a:lstStyle/>
+          <a:p>
+            <a:r>
+              <a:rPr lang="tr-TR" b="0" dirty="0" err="1">
+                <a:solidFill>
+                  <a:srgbClr val="9CDCFE"/>
+                </a:solidFill>
+                <a:effectLst/>
+                <a:latin typeface="Consolas" panose="020B0609020204030204" pitchFamily="49" charset="0"/>
+              </a:rPr>
+              <a:t>ptr</a:t>
+            </a:r>
+            <a:r>
+              <a:rPr lang="tr-TR" b="0" dirty="0">
+                <a:solidFill>
+                  <a:srgbClr val="CCCCCC"/>
+                </a:solidFill>
+                <a:effectLst/>
+                <a:latin typeface="Consolas" panose="020B0609020204030204" pitchFamily="49" charset="0"/>
+              </a:rPr>
+              <a:t>-&gt;</a:t>
+            </a:r>
+            <a:r>
+              <a:rPr lang="tr-TR" b="0" dirty="0">
+                <a:solidFill>
+                  <a:srgbClr val="9CDCFE"/>
+                </a:solidFill>
+                <a:effectLst/>
+                <a:latin typeface="Consolas" panose="020B0609020204030204" pitchFamily="49" charset="0"/>
+              </a:rPr>
+              <a:t>x</a:t>
+            </a:r>
+            <a:endParaRPr lang="tr-TR" b="0" dirty="0">
+              <a:solidFill>
+                <a:srgbClr val="CCCCCC"/>
+              </a:solidFill>
+              <a:effectLst/>
+              <a:latin typeface="Consolas" panose="020B0609020204030204" pitchFamily="49" charset="0"/>
+            </a:endParaRPr>
+          </a:p>
+        </p:txBody>
+      </p:sp>
+      <p:sp>
+        <p:nvSpPr>
+          <p:cNvPr id="13" name="Metin kutusu 12">
+            <a:extLst>
+              <a:ext uri="{FF2B5EF4-FFF2-40B4-BE49-F238E27FC236}">
+                <a16:creationId xmlns:a16="http://schemas.microsoft.com/office/drawing/2014/main" id="{DE109066-DAB4-4009-5F85-8AFC8C554F4F}"/>
+              </a:ext>
+            </a:extLst>
+          </p:cNvPr>
+          <p:cNvSpPr txBox="1"/>
+          <p:nvPr/>
+        </p:nvSpPr>
+        <p:spPr>
+          <a:xfrm>
+            <a:off x="5540188" y="1523110"/>
+            <a:ext cx="1147483" cy="369332"/>
+          </a:xfrm>
+          <a:prstGeom prst="rect">
+            <a:avLst/>
+          </a:prstGeom>
+          <a:solidFill>
+            <a:schemeClr val="tx1">
+              <a:lumMod val="95000"/>
+              <a:lumOff val="5000"/>
+            </a:schemeClr>
+          </a:solidFill>
+        </p:spPr>
+        <p:txBody>
+          <a:bodyPr wrap="square">
+            <a:spAutoFit/>
+          </a:bodyPr>
+          <a:lstStyle/>
+          <a:p>
+            <a:pPr algn="ctr"/>
+            <a:r>
+              <a:rPr lang="tr-TR" b="0" dirty="0">
+                <a:solidFill>
+                  <a:srgbClr val="D4D4D4"/>
+                </a:solidFill>
+                <a:effectLst/>
+                <a:latin typeface="Consolas" panose="020B0609020204030204" pitchFamily="49" charset="0"/>
+              </a:rPr>
+              <a:t>=</a:t>
+            </a:r>
+            <a:endParaRPr lang="tr-TR" b="0" dirty="0">
+              <a:solidFill>
+                <a:srgbClr val="CCCCCC"/>
+              </a:solidFill>
+              <a:effectLst/>
+              <a:latin typeface="Consolas" panose="020B0609020204030204" pitchFamily="49" charset="0"/>
+            </a:endParaRPr>
+          </a:p>
+        </p:txBody>
+      </p:sp>
+    </p:spTree>
+    <p:extLst>
+      <p:ext uri="{BB962C8B-B14F-4D97-AF65-F5344CB8AC3E}">
+        <p14:creationId xmlns:p14="http://schemas.microsoft.com/office/powerpoint/2010/main" val="1675351951"/>
+      </p:ext>
+    </p:extLst>
+  </p:cSld>
+  <p:clrMapOvr>
+    <a:masterClrMapping/>
+  </p:clrMapOvr>
+</p:sld>
+</file>
+
+<file path=ppt/slides/slide73.xml><?xml version="1.0" encoding="utf-8"?>
+<p:sld xmlns:a="http://schemas.openxmlformats.org/drawingml/2006/main" xmlns:r="http://schemas.openxmlformats.org/officeDocument/2006/relationships" xmlns:p="http://schemas.openxmlformats.org/presentationml/2006/main">
+  <p:cSld>
+    <p:spTree>
+      <p:nvGrpSpPr>
+        <p:cNvPr id="1" name=""/>
+        <p:cNvGrpSpPr/>
+        <p:nvPr/>
+      </p:nvGrpSpPr>
+      <p:grpSpPr>
+        <a:xfrm>
+          <a:off x="0" y="0"/>
+          <a:ext cx="0" cy="0"/>
+          <a:chOff x="0" y="0"/>
+          <a:chExt cx="0" cy="0"/>
+        </a:xfrm>
+      </p:grpSpPr>
+      <p:sp>
+        <p:nvSpPr>
+          <p:cNvPr id="6" name="Metin kutusu 5">
+            <a:extLst>
+              <a:ext uri="{FF2B5EF4-FFF2-40B4-BE49-F238E27FC236}">
+                <a16:creationId xmlns:a16="http://schemas.microsoft.com/office/drawing/2014/main" id="{435CF746-8A96-5DF4-729A-D9AFB372DD15}"/>
+              </a:ext>
+            </a:extLst>
+          </p:cNvPr>
+          <p:cNvSpPr txBox="1"/>
+          <p:nvPr/>
+        </p:nvSpPr>
+        <p:spPr>
+          <a:xfrm>
+            <a:off x="363985" y="275208"/>
+            <a:ext cx="11443316" cy="369332"/>
+          </a:xfrm>
+          <a:prstGeom prst="rect">
+            <a:avLst/>
+          </a:prstGeom>
+          <a:noFill/>
+        </p:spPr>
+        <p:txBody>
+          <a:bodyPr wrap="square" rtlCol="0">
+            <a:spAutoFit/>
+          </a:bodyPr>
+          <a:lstStyle/>
+          <a:p>
+            <a:r>
+              <a:rPr lang="en-GB" dirty="0"/>
+              <a:t>						</a:t>
+            </a:r>
+            <a:endParaRPr lang="tr-TR" dirty="0"/>
+          </a:p>
+        </p:txBody>
+      </p:sp>
+      <p:sp>
+        <p:nvSpPr>
+          <p:cNvPr id="7" name="Metin kutusu 6">
+            <a:extLst>
+              <a:ext uri="{FF2B5EF4-FFF2-40B4-BE49-F238E27FC236}">
+                <a16:creationId xmlns:a16="http://schemas.microsoft.com/office/drawing/2014/main" id="{8C003A5A-D20F-1D84-0BB5-E22BCC4C24A6}"/>
+              </a:ext>
+            </a:extLst>
+          </p:cNvPr>
+          <p:cNvSpPr txBox="1"/>
+          <p:nvPr/>
+        </p:nvSpPr>
+        <p:spPr>
+          <a:xfrm>
+            <a:off x="384699" y="0"/>
+            <a:ext cx="11490664" cy="707886"/>
+          </a:xfrm>
+          <a:prstGeom prst="rect">
+            <a:avLst/>
+          </a:prstGeom>
+          <a:noFill/>
+        </p:spPr>
+        <p:txBody>
+          <a:bodyPr wrap="square" rtlCol="0">
+            <a:spAutoFit/>
+          </a:bodyPr>
+          <a:lstStyle/>
+          <a:p>
+            <a:endParaRPr lang="en-GB" dirty="0">
+              <a:latin typeface="Verdana" panose="020B0604030504040204" pitchFamily="34" charset="0"/>
+              <a:ea typeface="Verdana" panose="020B0604030504040204" pitchFamily="34" charset="0"/>
+            </a:endParaRPr>
+          </a:p>
+          <a:p>
+            <a:r>
+              <a:rPr lang="en-GB" sz="2200" b="1" dirty="0">
+                <a:solidFill>
+                  <a:srgbClr val="000000"/>
+                </a:solidFill>
+                <a:latin typeface="Verdana" panose="020B0604030504040204" pitchFamily="34" charset="0"/>
+                <a:ea typeface="Verdana" panose="020B0604030504040204" pitchFamily="34" charset="0"/>
+              </a:rPr>
+              <a:t>File Operations</a:t>
+            </a:r>
+          </a:p>
+        </p:txBody>
+      </p:sp>
+      <p:sp>
+        <p:nvSpPr>
+          <p:cNvPr id="4" name="Metin kutusu 3">
+            <a:extLst>
+              <a:ext uri="{FF2B5EF4-FFF2-40B4-BE49-F238E27FC236}">
+                <a16:creationId xmlns:a16="http://schemas.microsoft.com/office/drawing/2014/main" id="{E65A3247-35D7-8E81-A8D0-4E9365534DC1}"/>
+              </a:ext>
+            </a:extLst>
+          </p:cNvPr>
+          <p:cNvSpPr txBox="1"/>
+          <p:nvPr/>
+        </p:nvSpPr>
+        <p:spPr>
+          <a:xfrm>
+            <a:off x="3082031" y="1131895"/>
+            <a:ext cx="6096000" cy="2862322"/>
+          </a:xfrm>
+          <a:prstGeom prst="rect">
+            <a:avLst/>
+          </a:prstGeom>
+          <a:solidFill>
+            <a:schemeClr val="tx1">
+              <a:lumMod val="95000"/>
+              <a:lumOff val="5000"/>
+            </a:schemeClr>
+          </a:solidFill>
+        </p:spPr>
+        <p:txBody>
+          <a:bodyPr wrap="square">
+            <a:spAutoFit/>
+          </a:bodyPr>
+          <a:lstStyle/>
+          <a:p>
+            <a:r>
+              <a:rPr lang="en-GB" b="0" dirty="0">
+                <a:solidFill>
+                  <a:srgbClr val="4EC9B0"/>
+                </a:solidFill>
+                <a:effectLst/>
+                <a:latin typeface="Consolas" panose="020B0609020204030204" pitchFamily="49" charset="0"/>
+              </a:rPr>
+              <a:t>FILE</a:t>
+            </a:r>
+            <a:r>
+              <a:rPr lang="en-GB" b="0" dirty="0">
+                <a:solidFill>
+                  <a:srgbClr val="CCCCCC"/>
+                </a:solidFill>
+                <a:effectLst/>
+                <a:latin typeface="Consolas" panose="020B0609020204030204" pitchFamily="49" charset="0"/>
+              </a:rPr>
+              <a:t> </a:t>
+            </a:r>
+            <a:r>
+              <a:rPr lang="en-GB" b="0" dirty="0">
+                <a:solidFill>
+                  <a:srgbClr val="D4D4D4"/>
+                </a:solidFill>
+                <a:effectLst/>
+                <a:latin typeface="Consolas" panose="020B0609020204030204" pitchFamily="49" charset="0"/>
+              </a:rPr>
+              <a:t>*</a:t>
+            </a:r>
+            <a:r>
+              <a:rPr lang="en-GB" b="0" dirty="0" err="1">
+                <a:solidFill>
+                  <a:srgbClr val="9CDCFE"/>
+                </a:solidFill>
+                <a:effectLst/>
+                <a:latin typeface="Consolas" panose="020B0609020204030204" pitchFamily="49" charset="0"/>
+              </a:rPr>
+              <a:t>fptr</a:t>
+            </a:r>
+            <a:r>
+              <a:rPr lang="en-GB" b="0" dirty="0">
+                <a:solidFill>
+                  <a:srgbClr val="CCCCCC"/>
+                </a:solidFill>
+                <a:effectLst/>
+                <a:latin typeface="Consolas" panose="020B0609020204030204" pitchFamily="49" charset="0"/>
+              </a:rPr>
+              <a:t>;</a:t>
+            </a:r>
+          </a:p>
+          <a:p>
+            <a:br>
+              <a:rPr lang="en-GB" b="0" dirty="0">
+                <a:solidFill>
+                  <a:srgbClr val="CCCCCC"/>
+                </a:solidFill>
+                <a:effectLst/>
+                <a:latin typeface="Consolas" panose="020B0609020204030204" pitchFamily="49" charset="0"/>
+              </a:rPr>
+            </a:br>
+            <a:r>
+              <a:rPr lang="en-GB" b="0" dirty="0">
+                <a:solidFill>
+                  <a:srgbClr val="6A9955"/>
+                </a:solidFill>
+                <a:effectLst/>
+                <a:latin typeface="Consolas" panose="020B0609020204030204" pitchFamily="49" charset="0"/>
+              </a:rPr>
+              <a:t>// Open a file in writing mode</a:t>
+            </a:r>
+            <a:endParaRPr lang="en-GB" b="0" dirty="0">
+              <a:solidFill>
+                <a:srgbClr val="CCCCCC"/>
+              </a:solidFill>
+              <a:effectLst/>
+              <a:latin typeface="Consolas" panose="020B0609020204030204" pitchFamily="49" charset="0"/>
+            </a:endParaRPr>
+          </a:p>
+          <a:p>
+            <a:r>
+              <a:rPr lang="en-GB" b="0" dirty="0" err="1">
+                <a:solidFill>
+                  <a:srgbClr val="9CDCFE"/>
+                </a:solidFill>
+                <a:effectLst/>
+                <a:latin typeface="Consolas" panose="020B0609020204030204" pitchFamily="49" charset="0"/>
+              </a:rPr>
+              <a:t>fptr</a:t>
+            </a:r>
+            <a:r>
+              <a:rPr lang="en-GB" b="0" dirty="0">
+                <a:solidFill>
+                  <a:srgbClr val="CCCCCC"/>
+                </a:solidFill>
+                <a:effectLst/>
+                <a:latin typeface="Consolas" panose="020B0609020204030204" pitchFamily="49" charset="0"/>
+              </a:rPr>
+              <a:t> </a:t>
+            </a:r>
+            <a:r>
+              <a:rPr lang="en-GB" b="0" dirty="0">
+                <a:solidFill>
+                  <a:srgbClr val="D4D4D4"/>
+                </a:solidFill>
+                <a:effectLst/>
+                <a:latin typeface="Consolas" panose="020B0609020204030204" pitchFamily="49" charset="0"/>
+              </a:rPr>
+              <a:t>=</a:t>
+            </a:r>
+            <a:r>
+              <a:rPr lang="en-GB" b="0" dirty="0">
+                <a:solidFill>
+                  <a:srgbClr val="CCCCCC"/>
+                </a:solidFill>
+                <a:effectLst/>
+                <a:latin typeface="Consolas" panose="020B0609020204030204" pitchFamily="49" charset="0"/>
+              </a:rPr>
+              <a:t> </a:t>
+            </a:r>
+            <a:r>
+              <a:rPr lang="en-GB" b="0" dirty="0" err="1">
+                <a:solidFill>
+                  <a:srgbClr val="DCDCAA"/>
+                </a:solidFill>
+                <a:effectLst/>
+                <a:latin typeface="Consolas" panose="020B0609020204030204" pitchFamily="49" charset="0"/>
+              </a:rPr>
+              <a:t>fopen</a:t>
+            </a:r>
+            <a:r>
+              <a:rPr lang="en-GB" b="0" dirty="0">
+                <a:solidFill>
+                  <a:srgbClr val="CCCCCC"/>
+                </a:solidFill>
+                <a:effectLst/>
+                <a:latin typeface="Consolas" panose="020B0609020204030204" pitchFamily="49" charset="0"/>
+              </a:rPr>
+              <a:t>(</a:t>
+            </a:r>
+            <a:r>
+              <a:rPr lang="en-GB" b="0" dirty="0">
+                <a:solidFill>
+                  <a:srgbClr val="CE9178"/>
+                </a:solidFill>
+                <a:effectLst/>
+                <a:latin typeface="Consolas" panose="020B0609020204030204" pitchFamily="49" charset="0"/>
+              </a:rPr>
+              <a:t>"filename.txt"</a:t>
+            </a:r>
+            <a:r>
+              <a:rPr lang="en-GB" b="0" dirty="0">
+                <a:solidFill>
+                  <a:srgbClr val="CCCCCC"/>
+                </a:solidFill>
+                <a:effectLst/>
+                <a:latin typeface="Consolas" panose="020B0609020204030204" pitchFamily="49" charset="0"/>
+              </a:rPr>
+              <a:t>, </a:t>
+            </a:r>
+            <a:r>
+              <a:rPr lang="en-GB" b="0" dirty="0">
+                <a:solidFill>
+                  <a:srgbClr val="CE9178"/>
+                </a:solidFill>
+                <a:effectLst/>
+                <a:latin typeface="Consolas" panose="020B0609020204030204" pitchFamily="49" charset="0"/>
+              </a:rPr>
+              <a:t>"w"</a:t>
+            </a:r>
+            <a:r>
+              <a:rPr lang="en-GB" b="0" dirty="0">
+                <a:solidFill>
+                  <a:srgbClr val="CCCCCC"/>
+                </a:solidFill>
+                <a:effectLst/>
+                <a:latin typeface="Consolas" panose="020B0609020204030204" pitchFamily="49" charset="0"/>
+              </a:rPr>
+              <a:t>);</a:t>
+            </a:r>
+          </a:p>
+          <a:p>
+            <a:br>
+              <a:rPr lang="en-GB" b="0" dirty="0">
+                <a:solidFill>
+                  <a:srgbClr val="CCCCCC"/>
+                </a:solidFill>
+                <a:effectLst/>
+                <a:latin typeface="Consolas" panose="020B0609020204030204" pitchFamily="49" charset="0"/>
+              </a:rPr>
+            </a:br>
+            <a:r>
+              <a:rPr lang="en-GB" b="0" dirty="0">
+                <a:solidFill>
+                  <a:srgbClr val="6A9955"/>
+                </a:solidFill>
+                <a:effectLst/>
+                <a:latin typeface="Consolas" panose="020B0609020204030204" pitchFamily="49" charset="0"/>
+              </a:rPr>
+              <a:t>// Write some text to the file</a:t>
+            </a:r>
+            <a:endParaRPr lang="en-GB" b="0" dirty="0">
+              <a:solidFill>
+                <a:srgbClr val="CCCCCC"/>
+              </a:solidFill>
+              <a:effectLst/>
+              <a:latin typeface="Consolas" panose="020B0609020204030204" pitchFamily="49" charset="0"/>
+            </a:endParaRPr>
+          </a:p>
+          <a:p>
+            <a:r>
+              <a:rPr lang="en-GB" b="0" dirty="0" err="1">
+                <a:solidFill>
+                  <a:srgbClr val="DCDCAA"/>
+                </a:solidFill>
+                <a:effectLst/>
+                <a:latin typeface="Consolas" panose="020B0609020204030204" pitchFamily="49" charset="0"/>
+              </a:rPr>
+              <a:t>fprintf</a:t>
+            </a:r>
+            <a:r>
+              <a:rPr lang="en-GB" b="0" dirty="0">
+                <a:solidFill>
+                  <a:srgbClr val="CCCCCC"/>
+                </a:solidFill>
+                <a:effectLst/>
+                <a:latin typeface="Consolas" panose="020B0609020204030204" pitchFamily="49" charset="0"/>
+              </a:rPr>
+              <a:t>(</a:t>
+            </a:r>
+            <a:r>
+              <a:rPr lang="en-GB" b="0" dirty="0" err="1">
+                <a:solidFill>
+                  <a:srgbClr val="9CDCFE"/>
+                </a:solidFill>
+                <a:effectLst/>
+                <a:latin typeface="Consolas" panose="020B0609020204030204" pitchFamily="49" charset="0"/>
+              </a:rPr>
+              <a:t>fptr</a:t>
+            </a:r>
+            <a:r>
+              <a:rPr lang="en-GB" b="0" dirty="0">
+                <a:solidFill>
+                  <a:srgbClr val="CCCCCC"/>
+                </a:solidFill>
+                <a:effectLst/>
+                <a:latin typeface="Consolas" panose="020B0609020204030204" pitchFamily="49" charset="0"/>
+              </a:rPr>
+              <a:t>, </a:t>
+            </a:r>
+            <a:r>
+              <a:rPr lang="en-GB" b="0" dirty="0">
+                <a:solidFill>
+                  <a:srgbClr val="CE9178"/>
+                </a:solidFill>
+                <a:effectLst/>
+                <a:latin typeface="Consolas" panose="020B0609020204030204" pitchFamily="49" charset="0"/>
+              </a:rPr>
+              <a:t>"Some text"</a:t>
+            </a:r>
+            <a:r>
+              <a:rPr lang="en-GB" b="0" dirty="0">
+                <a:solidFill>
+                  <a:srgbClr val="CCCCCC"/>
+                </a:solidFill>
+                <a:effectLst/>
+                <a:latin typeface="Consolas" panose="020B0609020204030204" pitchFamily="49" charset="0"/>
+              </a:rPr>
+              <a:t>);</a:t>
+            </a:r>
+          </a:p>
+          <a:p>
+            <a:br>
+              <a:rPr lang="en-GB" b="0" dirty="0">
+                <a:solidFill>
+                  <a:srgbClr val="CCCCCC"/>
+                </a:solidFill>
+                <a:effectLst/>
+                <a:latin typeface="Consolas" panose="020B0609020204030204" pitchFamily="49" charset="0"/>
+              </a:rPr>
+            </a:br>
+            <a:r>
+              <a:rPr lang="en-GB" b="0" dirty="0">
+                <a:solidFill>
+                  <a:srgbClr val="6A9955"/>
+                </a:solidFill>
+                <a:effectLst/>
+                <a:latin typeface="Consolas" panose="020B0609020204030204" pitchFamily="49" charset="0"/>
+              </a:rPr>
+              <a:t>// Close the file</a:t>
+            </a:r>
+            <a:endParaRPr lang="en-GB" b="0" dirty="0">
+              <a:solidFill>
+                <a:srgbClr val="CCCCCC"/>
+              </a:solidFill>
+              <a:effectLst/>
+              <a:latin typeface="Consolas" panose="020B0609020204030204" pitchFamily="49" charset="0"/>
+            </a:endParaRPr>
+          </a:p>
+          <a:p>
+            <a:r>
+              <a:rPr lang="en-GB" b="0" dirty="0" err="1">
+                <a:solidFill>
+                  <a:srgbClr val="DCDCAA"/>
+                </a:solidFill>
+                <a:effectLst/>
+                <a:latin typeface="Consolas" panose="020B0609020204030204" pitchFamily="49" charset="0"/>
+              </a:rPr>
+              <a:t>fclose</a:t>
+            </a:r>
+            <a:r>
+              <a:rPr lang="en-GB" b="0" dirty="0">
+                <a:solidFill>
+                  <a:srgbClr val="CCCCCC"/>
+                </a:solidFill>
+                <a:effectLst/>
+                <a:latin typeface="Consolas" panose="020B0609020204030204" pitchFamily="49" charset="0"/>
+              </a:rPr>
+              <a:t>(</a:t>
+            </a:r>
+            <a:r>
+              <a:rPr lang="en-GB" b="0" dirty="0" err="1">
+                <a:solidFill>
+                  <a:srgbClr val="9CDCFE"/>
+                </a:solidFill>
+                <a:effectLst/>
+                <a:latin typeface="Consolas" panose="020B0609020204030204" pitchFamily="49" charset="0"/>
+              </a:rPr>
+              <a:t>fptr</a:t>
+            </a:r>
+            <a:r>
+              <a:rPr lang="en-GB" b="0" dirty="0">
+                <a:solidFill>
+                  <a:srgbClr val="CCCCCC"/>
+                </a:solidFill>
+                <a:effectLst/>
+                <a:latin typeface="Consolas" panose="020B0609020204030204" pitchFamily="49" charset="0"/>
+              </a:rPr>
+              <a:t>);</a:t>
+            </a:r>
+          </a:p>
+        </p:txBody>
+      </p:sp>
+      <p:sp>
+        <p:nvSpPr>
+          <p:cNvPr id="8" name="Metin kutusu 7">
+            <a:extLst>
+              <a:ext uri="{FF2B5EF4-FFF2-40B4-BE49-F238E27FC236}">
+                <a16:creationId xmlns:a16="http://schemas.microsoft.com/office/drawing/2014/main" id="{EDEAE00C-C1D6-D54A-86B0-B5A8DFF208BC}"/>
+              </a:ext>
+            </a:extLst>
+          </p:cNvPr>
+          <p:cNvSpPr txBox="1"/>
+          <p:nvPr/>
+        </p:nvSpPr>
+        <p:spPr>
+          <a:xfrm>
+            <a:off x="3082031" y="4479249"/>
+            <a:ext cx="6096000" cy="1754326"/>
+          </a:xfrm>
+          <a:prstGeom prst="rect">
+            <a:avLst/>
+          </a:prstGeom>
+          <a:noFill/>
+        </p:spPr>
+        <p:txBody>
+          <a:bodyPr wrap="square">
+            <a:spAutoFit/>
+          </a:bodyPr>
+          <a:lstStyle/>
+          <a:p>
+            <a:pPr algn="l">
+              <a:buFont typeface="Arial" panose="020B0604020202020204" pitchFamily="34" charset="0"/>
+              <a:buChar char="•"/>
+            </a:pPr>
+            <a:r>
+              <a:rPr lang="en-GB" b="0" i="0" dirty="0">
+                <a:solidFill>
+                  <a:schemeClr val="tx1">
+                    <a:lumMod val="95000"/>
+                    <a:lumOff val="5000"/>
+                  </a:schemeClr>
+                </a:solidFill>
+                <a:effectLst/>
+                <a:latin typeface="Verdana" panose="020B0604030504040204" pitchFamily="34" charset="0"/>
+                <a:ea typeface="Verdana" panose="020B0604030504040204" pitchFamily="34" charset="0"/>
+              </a:rPr>
+              <a:t> r - open a file in read mode.</a:t>
+            </a:r>
+          </a:p>
+          <a:p>
+            <a:pPr algn="l">
+              <a:buFont typeface="Arial" panose="020B0604020202020204" pitchFamily="34" charset="0"/>
+              <a:buChar char="•"/>
+            </a:pPr>
+            <a:r>
+              <a:rPr lang="en-GB" b="0" i="0" dirty="0">
+                <a:solidFill>
+                  <a:schemeClr val="tx1">
+                    <a:lumMod val="95000"/>
+                    <a:lumOff val="5000"/>
+                  </a:schemeClr>
+                </a:solidFill>
+                <a:effectLst/>
+                <a:latin typeface="Verdana" panose="020B0604030504040204" pitchFamily="34" charset="0"/>
+                <a:ea typeface="Verdana" panose="020B0604030504040204" pitchFamily="34" charset="0"/>
+              </a:rPr>
+              <a:t> w - opens or create a text file in write mode.</a:t>
+            </a:r>
+          </a:p>
+          <a:p>
+            <a:pPr algn="l">
+              <a:buFont typeface="Arial" panose="020B0604020202020204" pitchFamily="34" charset="0"/>
+              <a:buChar char="•"/>
+            </a:pPr>
+            <a:r>
+              <a:rPr lang="en-GB" b="0" i="0" dirty="0">
+                <a:solidFill>
+                  <a:schemeClr val="tx1">
+                    <a:lumMod val="95000"/>
+                    <a:lumOff val="5000"/>
+                  </a:schemeClr>
+                </a:solidFill>
+                <a:effectLst/>
+                <a:latin typeface="Verdana" panose="020B0604030504040204" pitchFamily="34" charset="0"/>
+                <a:ea typeface="Verdana" panose="020B0604030504040204" pitchFamily="34" charset="0"/>
+              </a:rPr>
+              <a:t> a - opens a file in append mode.</a:t>
+            </a:r>
+          </a:p>
+          <a:p>
+            <a:pPr algn="l">
+              <a:buFont typeface="Arial" panose="020B0604020202020204" pitchFamily="34" charset="0"/>
+              <a:buChar char="•"/>
+            </a:pPr>
+            <a:r>
+              <a:rPr lang="en-GB" b="0" i="0" dirty="0">
+                <a:solidFill>
+                  <a:schemeClr val="tx1">
+                    <a:lumMod val="95000"/>
+                    <a:lumOff val="5000"/>
+                  </a:schemeClr>
+                </a:solidFill>
+                <a:effectLst/>
+                <a:latin typeface="Verdana" panose="020B0604030504040204" pitchFamily="34" charset="0"/>
+                <a:ea typeface="Verdana" panose="020B0604030504040204" pitchFamily="34" charset="0"/>
+              </a:rPr>
+              <a:t> r+ - opens a file in both read and write mode.</a:t>
+            </a:r>
+          </a:p>
+          <a:p>
+            <a:pPr algn="l">
+              <a:buFont typeface="Arial" panose="020B0604020202020204" pitchFamily="34" charset="0"/>
+              <a:buChar char="•"/>
+            </a:pPr>
+            <a:r>
+              <a:rPr lang="en-GB" b="0" i="0" dirty="0">
+                <a:solidFill>
+                  <a:schemeClr val="tx1">
+                    <a:lumMod val="95000"/>
+                    <a:lumOff val="5000"/>
+                  </a:schemeClr>
+                </a:solidFill>
+                <a:effectLst/>
+                <a:latin typeface="Verdana" panose="020B0604030504040204" pitchFamily="34" charset="0"/>
+                <a:ea typeface="Verdana" panose="020B0604030504040204" pitchFamily="34" charset="0"/>
+              </a:rPr>
+              <a:t> a+ - opens a file in both read and write mode.</a:t>
+            </a:r>
+          </a:p>
+          <a:p>
+            <a:pPr algn="l">
+              <a:buFont typeface="Arial" panose="020B0604020202020204" pitchFamily="34" charset="0"/>
+              <a:buChar char="•"/>
+            </a:pPr>
+            <a:r>
+              <a:rPr lang="en-GB" b="0" i="0" dirty="0">
+                <a:solidFill>
+                  <a:schemeClr val="tx1">
+                    <a:lumMod val="95000"/>
+                    <a:lumOff val="5000"/>
+                  </a:schemeClr>
+                </a:solidFill>
+                <a:effectLst/>
+                <a:latin typeface="Verdana" panose="020B0604030504040204" pitchFamily="34" charset="0"/>
+                <a:ea typeface="Verdana" panose="020B0604030504040204" pitchFamily="34" charset="0"/>
+              </a:rPr>
+              <a:t> w+ - opens a file in both read and write mode.</a:t>
+            </a:r>
+          </a:p>
+        </p:txBody>
+      </p:sp>
+    </p:spTree>
+    <p:extLst>
+      <p:ext uri="{BB962C8B-B14F-4D97-AF65-F5344CB8AC3E}">
+        <p14:creationId xmlns:p14="http://schemas.microsoft.com/office/powerpoint/2010/main" val="3298965892"/>
+      </p:ext>
+    </p:extLst>
+  </p:cSld>
+  <p:clrMapOvr>
+    <a:masterClrMapping/>
+  </p:clrMapOvr>
+</p:sld>
+</file>
+
 <file path=ppt/slides/slide8.xml><?xml version="1.0" encoding="utf-8"?>
 <p:sld xmlns:a="http://schemas.openxmlformats.org/drawingml/2006/main" xmlns:r="http://schemas.openxmlformats.org/officeDocument/2006/relationships" xmlns:p="http://schemas.openxmlformats.org/presentationml/2006/main">
   <p:cSld>
